--- a/Presentaciones/Swell - Optimización de estrategias - R8 (06-05-2021).pptx
+++ b/Presentaciones/Swell - Optimización de estrategias - R8 (06-05-2021).pptx
@@ -335,7 +335,7 @@
           <p:cNvPr id="2" name="Header Placeholder 1">
             <a:extLst>
               <a:ext uri="{FF2B5EF4-FFF2-40B4-BE49-F238E27FC236}">
-                <a16:creationId xmlns:a16="http://schemas.microsoft.com/office/drawing/2014/main" xmlns="" id="{5129D96E-5537-4D51-9A8C-ECC02EA1FC77}"/>
+                <a16:creationId xmlns="" xmlns:a16="http://schemas.microsoft.com/office/drawing/2014/main" id="{5129D96E-5537-4D51-9A8C-ECC02EA1FC77}"/>
               </a:ext>
             </a:extLst>
           </p:cNvPr>
@@ -372,7 +372,7 @@
           <p:cNvPr id="3" name="Date Placeholder 2">
             <a:extLst>
               <a:ext uri="{FF2B5EF4-FFF2-40B4-BE49-F238E27FC236}">
-                <a16:creationId xmlns:a16="http://schemas.microsoft.com/office/drawing/2014/main" xmlns="" id="{53780C74-6D6E-4042-A80A-9A947C74BC4D}"/>
+                <a16:creationId xmlns="" xmlns:a16="http://schemas.microsoft.com/office/drawing/2014/main" id="{53780C74-6D6E-4042-A80A-9A947C74BC4D}"/>
               </a:ext>
             </a:extLst>
           </p:cNvPr>
@@ -402,7 +402,7 @@
           <a:p>
             <a:fld id="{58996DD2-7C55-401B-B490-511405823B84}" type="datetimeFigureOut">
               <a:rPr lang="en-US" smtClean="0"/>
-              <a:t>5/4/2021</a:t>
+              <a:t>5/6/2021</a:t>
             </a:fld>
             <a:endParaRPr lang="en-US"/>
           </a:p>
@@ -413,7 +413,7 @@
           <p:cNvPr id="4" name="Footer Placeholder 3">
             <a:extLst>
               <a:ext uri="{FF2B5EF4-FFF2-40B4-BE49-F238E27FC236}">
-                <a16:creationId xmlns:a16="http://schemas.microsoft.com/office/drawing/2014/main" xmlns="" id="{C717169F-DC22-46F3-A8E4-7D82884D23B8}"/>
+                <a16:creationId xmlns="" xmlns:a16="http://schemas.microsoft.com/office/drawing/2014/main" id="{C717169F-DC22-46F3-A8E4-7D82884D23B8}"/>
               </a:ext>
             </a:extLst>
           </p:cNvPr>
@@ -450,7 +450,7 @@
           <p:cNvPr id="5" name="Slide Number Placeholder 4">
             <a:extLst>
               <a:ext uri="{FF2B5EF4-FFF2-40B4-BE49-F238E27FC236}">
-                <a16:creationId xmlns:a16="http://schemas.microsoft.com/office/drawing/2014/main" xmlns="" id="{212F6BE1-CAF5-4EF5-B52C-E3EB68125B49}"/>
+                <a16:creationId xmlns="" xmlns:a16="http://schemas.microsoft.com/office/drawing/2014/main" id="{212F6BE1-CAF5-4EF5-B52C-E3EB68125B49}"/>
               </a:ext>
             </a:extLst>
           </p:cNvPr>
@@ -1551,7 +1551,7 @@
           <p:cNvPr id="8" name="Google Shape;11;p2">
             <a:extLst>
               <a:ext uri="{FF2B5EF4-FFF2-40B4-BE49-F238E27FC236}">
-                <a16:creationId xmlns:a16="http://schemas.microsoft.com/office/drawing/2014/main" xmlns="" id="{0E1FBAAD-FA0F-4292-8CA0-0D28FC01223E}"/>
+                <a16:creationId xmlns="" xmlns:a16="http://schemas.microsoft.com/office/drawing/2014/main" id="{0E1FBAAD-FA0F-4292-8CA0-0D28FC01223E}"/>
               </a:ext>
             </a:extLst>
           </p:cNvPr>
@@ -1597,7 +1597,7 @@
           <p:cNvPr id="9" name="Google Shape;12;p2">
             <a:extLst>
               <a:ext uri="{FF2B5EF4-FFF2-40B4-BE49-F238E27FC236}">
-                <a16:creationId xmlns:a16="http://schemas.microsoft.com/office/drawing/2014/main" xmlns="" id="{01499C51-A87E-4A48-BB30-D8F1966753EB}"/>
+                <a16:creationId xmlns="" xmlns:a16="http://schemas.microsoft.com/office/drawing/2014/main" id="{01499C51-A87E-4A48-BB30-D8F1966753EB}"/>
               </a:ext>
             </a:extLst>
           </p:cNvPr>
@@ -1643,7 +1643,7 @@
           <p:cNvPr id="12" name="Google Shape;13;p2">
             <a:extLst>
               <a:ext uri="{FF2B5EF4-FFF2-40B4-BE49-F238E27FC236}">
-                <a16:creationId xmlns:a16="http://schemas.microsoft.com/office/drawing/2014/main" xmlns="" id="{029AC340-AA63-4E50-9710-6F61F078A541}"/>
+                <a16:creationId xmlns="" xmlns:a16="http://schemas.microsoft.com/office/drawing/2014/main" id="{029AC340-AA63-4E50-9710-6F61F078A541}"/>
               </a:ext>
             </a:extLst>
           </p:cNvPr>
@@ -1691,7 +1691,7 @@
           <p:cNvPr id="13" name="Google Shape;14;p2">
             <a:extLst>
               <a:ext uri="{FF2B5EF4-FFF2-40B4-BE49-F238E27FC236}">
-                <a16:creationId xmlns:a16="http://schemas.microsoft.com/office/drawing/2014/main" xmlns="" id="{6080D48B-B370-4AF7-BE56-C20DF3620016}"/>
+                <a16:creationId xmlns="" xmlns:a16="http://schemas.microsoft.com/office/drawing/2014/main" id="{6080D48B-B370-4AF7-BE56-C20DF3620016}"/>
               </a:ext>
             </a:extLst>
           </p:cNvPr>
@@ -2026,7 +2026,7 @@
           <p:cNvPr id="12" name="Google Shape;73;p10">
             <a:extLst>
               <a:ext uri="{FF2B5EF4-FFF2-40B4-BE49-F238E27FC236}">
-                <a16:creationId xmlns:a16="http://schemas.microsoft.com/office/drawing/2014/main" xmlns="" id="{E125DFDF-1004-496B-9010-D96CD3847D62}"/>
+                <a16:creationId xmlns="" xmlns:a16="http://schemas.microsoft.com/office/drawing/2014/main" id="{E125DFDF-1004-496B-9010-D96CD3847D62}"/>
               </a:ext>
             </a:extLst>
           </p:cNvPr>
@@ -2072,7 +2072,7 @@
           <p:cNvPr id="13" name="Google Shape;74;p10">
             <a:extLst>
               <a:ext uri="{FF2B5EF4-FFF2-40B4-BE49-F238E27FC236}">
-                <a16:creationId xmlns:a16="http://schemas.microsoft.com/office/drawing/2014/main" xmlns="" id="{6A88AA71-AD70-4938-8602-F31F6FD503CF}"/>
+                <a16:creationId xmlns="" xmlns:a16="http://schemas.microsoft.com/office/drawing/2014/main" id="{6A88AA71-AD70-4938-8602-F31F6FD503CF}"/>
               </a:ext>
             </a:extLst>
           </p:cNvPr>
@@ -2118,7 +2118,7 @@
           <p:cNvPr id="14" name="Google Shape;75;p10">
             <a:extLst>
               <a:ext uri="{FF2B5EF4-FFF2-40B4-BE49-F238E27FC236}">
-                <a16:creationId xmlns:a16="http://schemas.microsoft.com/office/drawing/2014/main" xmlns="" id="{C65B6263-7BDE-4220-A8AA-424833FF1644}"/>
+                <a16:creationId xmlns="" xmlns:a16="http://schemas.microsoft.com/office/drawing/2014/main" id="{C65B6263-7BDE-4220-A8AA-424833FF1644}"/>
               </a:ext>
             </a:extLst>
           </p:cNvPr>
@@ -2166,7 +2166,7 @@
           <p:cNvPr id="15" name="Google Shape;76;p10">
             <a:extLst>
               <a:ext uri="{FF2B5EF4-FFF2-40B4-BE49-F238E27FC236}">
-                <a16:creationId xmlns:a16="http://schemas.microsoft.com/office/drawing/2014/main" xmlns="" id="{D9DCA355-87BB-4D1A-8A27-B9DCD3E21BEA}"/>
+                <a16:creationId xmlns="" xmlns:a16="http://schemas.microsoft.com/office/drawing/2014/main" id="{D9DCA355-87BB-4D1A-8A27-B9DCD3E21BEA}"/>
               </a:ext>
             </a:extLst>
           </p:cNvPr>
@@ -4479,7 +4479,7 @@
           <p:cNvPr id="19" name="Google Shape;73;p10">
             <a:extLst>
               <a:ext uri="{FF2B5EF4-FFF2-40B4-BE49-F238E27FC236}">
-                <a16:creationId xmlns:a16="http://schemas.microsoft.com/office/drawing/2014/main" xmlns="" id="{C314E293-4659-4F95-839E-02617F516747}"/>
+                <a16:creationId xmlns="" xmlns:a16="http://schemas.microsoft.com/office/drawing/2014/main" id="{C314E293-4659-4F95-839E-02617F516747}"/>
               </a:ext>
             </a:extLst>
           </p:cNvPr>
@@ -4525,7 +4525,7 @@
           <p:cNvPr id="20" name="Google Shape;74;p10">
             <a:extLst>
               <a:ext uri="{FF2B5EF4-FFF2-40B4-BE49-F238E27FC236}">
-                <a16:creationId xmlns:a16="http://schemas.microsoft.com/office/drawing/2014/main" xmlns="" id="{BB207C7E-CBCB-4E82-9DBE-2ADD97E5AED3}"/>
+                <a16:creationId xmlns="" xmlns:a16="http://schemas.microsoft.com/office/drawing/2014/main" id="{BB207C7E-CBCB-4E82-9DBE-2ADD97E5AED3}"/>
               </a:ext>
             </a:extLst>
           </p:cNvPr>
@@ -4571,7 +4571,7 @@
           <p:cNvPr id="21" name="Google Shape;75;p10">
             <a:extLst>
               <a:ext uri="{FF2B5EF4-FFF2-40B4-BE49-F238E27FC236}">
-                <a16:creationId xmlns:a16="http://schemas.microsoft.com/office/drawing/2014/main" xmlns="" id="{D56A39A8-85FA-4070-BBC4-9B758166744B}"/>
+                <a16:creationId xmlns="" xmlns:a16="http://schemas.microsoft.com/office/drawing/2014/main" id="{D56A39A8-85FA-4070-BBC4-9B758166744B}"/>
               </a:ext>
             </a:extLst>
           </p:cNvPr>
@@ -4619,7 +4619,7 @@
           <p:cNvPr id="22" name="Google Shape;76;p10">
             <a:extLst>
               <a:ext uri="{FF2B5EF4-FFF2-40B4-BE49-F238E27FC236}">
-                <a16:creationId xmlns:a16="http://schemas.microsoft.com/office/drawing/2014/main" xmlns="" id="{DC630C3F-4C96-4AF8-9BEE-194CA0650BB6}"/>
+                <a16:creationId xmlns="" xmlns:a16="http://schemas.microsoft.com/office/drawing/2014/main" id="{DC630C3F-4C96-4AF8-9BEE-194CA0650BB6}"/>
               </a:ext>
             </a:extLst>
           </p:cNvPr>
@@ -4698,7 +4698,7 @@
           <p:cNvPr id="6" name="Google Shape;73;p10">
             <a:extLst>
               <a:ext uri="{FF2B5EF4-FFF2-40B4-BE49-F238E27FC236}">
-                <a16:creationId xmlns:a16="http://schemas.microsoft.com/office/drawing/2014/main" xmlns="" id="{3BA118C3-D124-42D8-85EC-8F79B521B6BD}"/>
+                <a16:creationId xmlns="" xmlns:a16="http://schemas.microsoft.com/office/drawing/2014/main" id="{3BA118C3-D124-42D8-85EC-8F79B521B6BD}"/>
               </a:ext>
             </a:extLst>
           </p:cNvPr>
@@ -4744,7 +4744,7 @@
           <p:cNvPr id="7" name="Google Shape;74;p10">
             <a:extLst>
               <a:ext uri="{FF2B5EF4-FFF2-40B4-BE49-F238E27FC236}">
-                <a16:creationId xmlns:a16="http://schemas.microsoft.com/office/drawing/2014/main" xmlns="" id="{48B1E0C4-7349-4090-AE14-11503CE8D194}"/>
+                <a16:creationId xmlns="" xmlns:a16="http://schemas.microsoft.com/office/drawing/2014/main" id="{48B1E0C4-7349-4090-AE14-11503CE8D194}"/>
               </a:ext>
             </a:extLst>
           </p:cNvPr>
@@ -4790,7 +4790,7 @@
           <p:cNvPr id="8" name="Google Shape;75;p10">
             <a:extLst>
               <a:ext uri="{FF2B5EF4-FFF2-40B4-BE49-F238E27FC236}">
-                <a16:creationId xmlns:a16="http://schemas.microsoft.com/office/drawing/2014/main" xmlns="" id="{D7C2DE97-F57C-4A6A-997B-7F93153BD499}"/>
+                <a16:creationId xmlns="" xmlns:a16="http://schemas.microsoft.com/office/drawing/2014/main" id="{D7C2DE97-F57C-4A6A-997B-7F93153BD499}"/>
               </a:ext>
             </a:extLst>
           </p:cNvPr>
@@ -4838,7 +4838,7 @@
           <p:cNvPr id="9" name="Google Shape;76;p10">
             <a:extLst>
               <a:ext uri="{FF2B5EF4-FFF2-40B4-BE49-F238E27FC236}">
-                <a16:creationId xmlns:a16="http://schemas.microsoft.com/office/drawing/2014/main" xmlns="" id="{6AAEC9D7-270D-4712-91F6-5B63D5CBEDDB}"/>
+                <a16:creationId xmlns="" xmlns:a16="http://schemas.microsoft.com/office/drawing/2014/main" id="{6AAEC9D7-270D-4712-91F6-5B63D5CBEDDB}"/>
               </a:ext>
             </a:extLst>
           </p:cNvPr>
@@ -4917,7 +4917,7 @@
           <p:cNvPr id="6" name="Google Shape;73;p10">
             <a:extLst>
               <a:ext uri="{FF2B5EF4-FFF2-40B4-BE49-F238E27FC236}">
-                <a16:creationId xmlns:a16="http://schemas.microsoft.com/office/drawing/2014/main" xmlns="" id="{EDBC57D7-4DDA-4714-BDB6-C5CEC99CF5C0}"/>
+                <a16:creationId xmlns="" xmlns:a16="http://schemas.microsoft.com/office/drawing/2014/main" id="{EDBC57D7-4DDA-4714-BDB6-C5CEC99CF5C0}"/>
               </a:ext>
             </a:extLst>
           </p:cNvPr>
@@ -4963,7 +4963,7 @@
           <p:cNvPr id="7" name="Google Shape;74;p10">
             <a:extLst>
               <a:ext uri="{FF2B5EF4-FFF2-40B4-BE49-F238E27FC236}">
-                <a16:creationId xmlns:a16="http://schemas.microsoft.com/office/drawing/2014/main" xmlns="" id="{ED65C25C-2F50-45D7-8AD2-E84FB805039E}"/>
+                <a16:creationId xmlns="" xmlns:a16="http://schemas.microsoft.com/office/drawing/2014/main" id="{ED65C25C-2F50-45D7-8AD2-E84FB805039E}"/>
               </a:ext>
             </a:extLst>
           </p:cNvPr>
@@ -5009,7 +5009,7 @@
           <p:cNvPr id="8" name="Google Shape;75;p10">
             <a:extLst>
               <a:ext uri="{FF2B5EF4-FFF2-40B4-BE49-F238E27FC236}">
-                <a16:creationId xmlns:a16="http://schemas.microsoft.com/office/drawing/2014/main" xmlns="" id="{C15CE0C1-ACBD-4AFB-AEB9-55AA1228A7C1}"/>
+                <a16:creationId xmlns="" xmlns:a16="http://schemas.microsoft.com/office/drawing/2014/main" id="{C15CE0C1-ACBD-4AFB-AEB9-55AA1228A7C1}"/>
               </a:ext>
             </a:extLst>
           </p:cNvPr>
@@ -5057,7 +5057,7 @@
           <p:cNvPr id="9" name="Google Shape;76;p10">
             <a:extLst>
               <a:ext uri="{FF2B5EF4-FFF2-40B4-BE49-F238E27FC236}">
-                <a16:creationId xmlns:a16="http://schemas.microsoft.com/office/drawing/2014/main" xmlns="" id="{72D1D976-44AD-4B9E-AC7D-447FC51402FD}"/>
+                <a16:creationId xmlns="" xmlns:a16="http://schemas.microsoft.com/office/drawing/2014/main" id="{72D1D976-44AD-4B9E-AC7D-447FC51402FD}"/>
               </a:ext>
             </a:extLst>
           </p:cNvPr>
@@ -6635,7 +6635,7 @@
           <p:cNvPr id="9" name="Google Shape;11;p2">
             <a:extLst>
               <a:ext uri="{FF2B5EF4-FFF2-40B4-BE49-F238E27FC236}">
-                <a16:creationId xmlns:a16="http://schemas.microsoft.com/office/drawing/2014/main" xmlns="" id="{222195CB-994B-4674-9C92-DFC6EBC0F7FF}"/>
+                <a16:creationId xmlns="" xmlns:a16="http://schemas.microsoft.com/office/drawing/2014/main" id="{222195CB-994B-4674-9C92-DFC6EBC0F7FF}"/>
               </a:ext>
             </a:extLst>
           </p:cNvPr>
@@ -6681,7 +6681,7 @@
           <p:cNvPr id="10" name="Google Shape;12;p2">
             <a:extLst>
               <a:ext uri="{FF2B5EF4-FFF2-40B4-BE49-F238E27FC236}">
-                <a16:creationId xmlns:a16="http://schemas.microsoft.com/office/drawing/2014/main" xmlns="" id="{F3EAF617-DC82-4208-8F6B-99C3257F6C8D}"/>
+                <a16:creationId xmlns="" xmlns:a16="http://schemas.microsoft.com/office/drawing/2014/main" id="{F3EAF617-DC82-4208-8F6B-99C3257F6C8D}"/>
               </a:ext>
             </a:extLst>
           </p:cNvPr>
@@ -6727,7 +6727,7 @@
           <p:cNvPr id="11" name="Google Shape;13;p2">
             <a:extLst>
               <a:ext uri="{FF2B5EF4-FFF2-40B4-BE49-F238E27FC236}">
-                <a16:creationId xmlns:a16="http://schemas.microsoft.com/office/drawing/2014/main" xmlns="" id="{FE056DC3-261E-4C76-87EC-5141C6DD6401}"/>
+                <a16:creationId xmlns="" xmlns:a16="http://schemas.microsoft.com/office/drawing/2014/main" id="{FE056DC3-261E-4C76-87EC-5141C6DD6401}"/>
               </a:ext>
             </a:extLst>
           </p:cNvPr>
@@ -6775,7 +6775,7 @@
           <p:cNvPr id="12" name="Google Shape;14;p2">
             <a:extLst>
               <a:ext uri="{FF2B5EF4-FFF2-40B4-BE49-F238E27FC236}">
-                <a16:creationId xmlns:a16="http://schemas.microsoft.com/office/drawing/2014/main" xmlns="" id="{56F16A07-CEA3-43F5-9F52-B85C84AB659C}"/>
+                <a16:creationId xmlns="" xmlns:a16="http://schemas.microsoft.com/office/drawing/2014/main" id="{56F16A07-CEA3-43F5-9F52-B85C84AB659C}"/>
               </a:ext>
             </a:extLst>
           </p:cNvPr>
@@ -7048,7 +7048,6 @@
               <a:rPr lang="es-ES" dirty="0"/>
               <a:t>Construcción de herramienta de optimización</a:t>
             </a:r>
-            <a:endParaRPr lang="es-ES" dirty="0"/>
           </a:p>
         </p:txBody>
       </p:sp>
@@ -7230,7 +7229,7 @@
           <p:cNvPr id="5" name="Título 4">
             <a:extLst>
               <a:ext uri="{FF2B5EF4-FFF2-40B4-BE49-F238E27FC236}">
-                <a16:creationId xmlns:a16="http://schemas.microsoft.com/office/drawing/2014/main" xmlns="" id="{308EA3A2-8D9E-4CDA-BD58-22C55FC26358}"/>
+                <a16:creationId xmlns="" xmlns:a16="http://schemas.microsoft.com/office/drawing/2014/main" id="{308EA3A2-8D9E-4CDA-BD58-22C55FC26358}"/>
               </a:ext>
             </a:extLst>
           </p:cNvPr>
@@ -7263,7 +7262,7 @@
           <p:cNvPr id="4" name="Google Shape;5496;p73">
             <a:extLst>
               <a:ext uri="{FF2B5EF4-FFF2-40B4-BE49-F238E27FC236}">
-                <a16:creationId xmlns:a16="http://schemas.microsoft.com/office/drawing/2014/main" xmlns="" id="{F76F9885-B262-418F-A2A0-44390A89C944}"/>
+                <a16:creationId xmlns="" xmlns:a16="http://schemas.microsoft.com/office/drawing/2014/main" id="{F76F9885-B262-418F-A2A0-44390A89C944}"/>
               </a:ext>
             </a:extLst>
           </p:cNvPr>
@@ -7290,7 +7289,7 @@
             <p:cNvPr id="7" name="Google Shape;5497;p73">
               <a:extLst>
                 <a:ext uri="{FF2B5EF4-FFF2-40B4-BE49-F238E27FC236}">
-                  <a16:creationId xmlns:a16="http://schemas.microsoft.com/office/drawing/2014/main" xmlns="" id="{FBB2E84B-FFDB-4AAA-9B8D-1126C89051D9}"/>
+                  <a16:creationId xmlns="" xmlns:a16="http://schemas.microsoft.com/office/drawing/2014/main" id="{FBB2E84B-FFDB-4AAA-9B8D-1126C89051D9}"/>
                 </a:ext>
               </a:extLst>
             </p:cNvPr>
@@ -7381,7 +7380,7 @@
             <p:cNvPr id="8" name="Google Shape;5498;p73">
               <a:extLst>
                 <a:ext uri="{FF2B5EF4-FFF2-40B4-BE49-F238E27FC236}">
-                  <a16:creationId xmlns:a16="http://schemas.microsoft.com/office/drawing/2014/main" xmlns="" id="{1BA31B9A-3E09-4314-8739-811D86D586DD}"/>
+                  <a16:creationId xmlns="" xmlns:a16="http://schemas.microsoft.com/office/drawing/2014/main" id="{1BA31B9A-3E09-4314-8739-811D86D586DD}"/>
                 </a:ext>
               </a:extLst>
             </p:cNvPr>
@@ -7467,7 +7466,7 @@
             <p:cNvPr id="9" name="Google Shape;5499;p73">
               <a:extLst>
                 <a:ext uri="{FF2B5EF4-FFF2-40B4-BE49-F238E27FC236}">
-                  <a16:creationId xmlns:a16="http://schemas.microsoft.com/office/drawing/2014/main" xmlns="" id="{9329B5BB-A091-414E-8BAB-4C22FF5ECA76}"/>
+                  <a16:creationId xmlns="" xmlns:a16="http://schemas.microsoft.com/office/drawing/2014/main" id="{9329B5BB-A091-414E-8BAB-4C22FF5ECA76}"/>
                 </a:ext>
               </a:extLst>
             </p:cNvPr>
@@ -7541,7 +7540,7 @@
             <p:cNvPr id="10" name="Google Shape;5500;p73">
               <a:extLst>
                 <a:ext uri="{FF2B5EF4-FFF2-40B4-BE49-F238E27FC236}">
-                  <a16:creationId xmlns:a16="http://schemas.microsoft.com/office/drawing/2014/main" xmlns="" id="{F627E3A5-CF89-45E3-9897-1AA472792CB5}"/>
+                  <a16:creationId xmlns="" xmlns:a16="http://schemas.microsoft.com/office/drawing/2014/main" id="{F627E3A5-CF89-45E3-9897-1AA472792CB5}"/>
                 </a:ext>
               </a:extLst>
             </p:cNvPr>
@@ -7622,7 +7621,7 @@
             <p:cNvPr id="11" name="Google Shape;5501;p73">
               <a:extLst>
                 <a:ext uri="{FF2B5EF4-FFF2-40B4-BE49-F238E27FC236}">
-                  <a16:creationId xmlns:a16="http://schemas.microsoft.com/office/drawing/2014/main" xmlns="" id="{A558FA3E-F502-491B-89C5-B5328D9E1B26}"/>
+                  <a16:creationId xmlns="" xmlns:a16="http://schemas.microsoft.com/office/drawing/2014/main" id="{A558FA3E-F502-491B-89C5-B5328D9E1B26}"/>
                 </a:ext>
               </a:extLst>
             </p:cNvPr>
@@ -7742,7 +7741,7 @@
           <p:cNvPr id="2" name="Título 1">
             <a:extLst>
               <a:ext uri="{FF2B5EF4-FFF2-40B4-BE49-F238E27FC236}">
-                <a16:creationId xmlns:a16="http://schemas.microsoft.com/office/drawing/2014/main" xmlns="" id="{E8FF31F2-31A8-44C5-879F-059B210F2E3A}"/>
+                <a16:creationId xmlns="" xmlns:a16="http://schemas.microsoft.com/office/drawing/2014/main" id="{E8FF31F2-31A8-44C5-879F-059B210F2E3A}"/>
               </a:ext>
             </a:extLst>
           </p:cNvPr>
@@ -7784,7 +7783,7 @@
           <p:cNvPr id="4" name="Marcador de texto 3">
             <a:extLst>
               <a:ext uri="{FF2B5EF4-FFF2-40B4-BE49-F238E27FC236}">
-                <a16:creationId xmlns:a16="http://schemas.microsoft.com/office/drawing/2014/main" xmlns="" id="{55E779F4-73C4-435D-8652-207FBED77C1B}"/>
+                <a16:creationId xmlns="" xmlns:a16="http://schemas.microsoft.com/office/drawing/2014/main" id="{55E779F4-73C4-435D-8652-207FBED77C1B}"/>
               </a:ext>
             </a:extLst>
           </p:cNvPr>
@@ -8126,19 +8125,7 @@
                 <a:cs typeface="Open Sans" panose="020B0604020202020204" charset="0"/>
                 <a:sym typeface="Lato"/>
               </a:rPr>
-              <a:t>Las decisiones</a:t>
-            </a:r>
-            <a:r>
-              <a:rPr lang="es-ES" sz="1200" dirty="0" smtClean="0">
-                <a:solidFill>
-                  <a:srgbClr val="677480"/>
-                </a:solidFill>
-                <a:latin typeface="Montserrat Medium" panose="020B0604020202020204" charset="0"/>
-                <a:ea typeface="Open Sans" panose="020B0604020202020204" charset="0"/>
-                <a:cs typeface="Open Sans" panose="020B0604020202020204" charset="0"/>
-                <a:sym typeface="Lato"/>
-              </a:rPr>
-              <a:t>  </a:t>
+              <a:t>Las decisiones  </a:t>
             </a:r>
             <a:r>
               <a:rPr lang="es-ES" sz="1200" dirty="0">
@@ -8369,7 +8356,7 @@
           <p:cNvPr id="2" name="Título 1">
             <a:extLst>
               <a:ext uri="{FF2B5EF4-FFF2-40B4-BE49-F238E27FC236}">
-                <a16:creationId xmlns:a16="http://schemas.microsoft.com/office/drawing/2014/main" xmlns="" id="{E8FF31F2-31A8-44C5-879F-059B210F2E3A}"/>
+                <a16:creationId xmlns="" xmlns:a16="http://schemas.microsoft.com/office/drawing/2014/main" id="{E8FF31F2-31A8-44C5-879F-059B210F2E3A}"/>
               </a:ext>
             </a:extLst>
           </p:cNvPr>
@@ -8411,7 +8398,7 @@
           <p:cNvPr id="4" name="Marcador de texto 3">
             <a:extLst>
               <a:ext uri="{FF2B5EF4-FFF2-40B4-BE49-F238E27FC236}">
-                <a16:creationId xmlns:a16="http://schemas.microsoft.com/office/drawing/2014/main" xmlns="" id="{55E779F4-73C4-435D-8652-207FBED77C1B}"/>
+                <a16:creationId xmlns="" xmlns:a16="http://schemas.microsoft.com/office/drawing/2014/main" id="{55E779F4-73C4-435D-8652-207FBED77C1B}"/>
               </a:ext>
             </a:extLst>
           </p:cNvPr>
@@ -8481,19 +8468,7 @@
                 <a:cs typeface="Open Sans" panose="020B0604020202020204" charset="0"/>
                 <a:sym typeface="Lato"/>
               </a:rPr>
-              <a:t>optimización se c</a:t>
-            </a:r>
-            <a:r>
-              <a:rPr lang="es-ES" dirty="0" smtClean="0">
-                <a:solidFill>
-                  <a:srgbClr val="677480"/>
-                </a:solidFill>
-                <a:latin typeface="Montserrat Medium" panose="020B0604020202020204" charset="0"/>
-                <a:ea typeface="Open Sans" panose="020B0604020202020204" charset="0"/>
-                <a:cs typeface="Open Sans" panose="020B0604020202020204" charset="0"/>
-                <a:sym typeface="Lato"/>
-              </a:rPr>
-              <a:t>rearán “4 zonas de retorno” y “4 zonas de volatilidad”</a:t>
+              <a:t>optimización se crearán “4 zonas de retorno” y “4 zonas de volatilidad”</a:t>
             </a:r>
           </a:p>
         </p:txBody>
@@ -10037,7 +10012,7 @@
           <p:cNvPr id="2" name="Título 1">
             <a:extLst>
               <a:ext uri="{FF2B5EF4-FFF2-40B4-BE49-F238E27FC236}">
-                <a16:creationId xmlns:a16="http://schemas.microsoft.com/office/drawing/2014/main" xmlns="" id="{E8FF31F2-31A8-44C5-879F-059B210F2E3A}"/>
+                <a16:creationId xmlns="" xmlns:a16="http://schemas.microsoft.com/office/drawing/2014/main" id="{E8FF31F2-31A8-44C5-879F-059B210F2E3A}"/>
               </a:ext>
             </a:extLst>
           </p:cNvPr>
@@ -10079,7 +10054,7 @@
           <p:cNvPr id="4" name="Marcador de texto 3">
             <a:extLst>
               <a:ext uri="{FF2B5EF4-FFF2-40B4-BE49-F238E27FC236}">
-                <a16:creationId xmlns:a16="http://schemas.microsoft.com/office/drawing/2014/main" xmlns="" id="{55E779F4-73C4-435D-8652-207FBED77C1B}"/>
+                <a16:creationId xmlns="" xmlns:a16="http://schemas.microsoft.com/office/drawing/2014/main" id="{55E779F4-73C4-435D-8652-207FBED77C1B}"/>
               </a:ext>
             </a:extLst>
           </p:cNvPr>
@@ -10472,7 +10447,7 @@
           <p:cNvPr id="2" name="Título 1">
             <a:extLst>
               <a:ext uri="{FF2B5EF4-FFF2-40B4-BE49-F238E27FC236}">
-                <a16:creationId xmlns:a16="http://schemas.microsoft.com/office/drawing/2014/main" xmlns="" id="{E8FF31F2-31A8-44C5-879F-059B210F2E3A}"/>
+                <a16:creationId xmlns="" xmlns:a16="http://schemas.microsoft.com/office/drawing/2014/main" id="{E8FF31F2-31A8-44C5-879F-059B210F2E3A}"/>
               </a:ext>
             </a:extLst>
           </p:cNvPr>
@@ -10505,7 +10480,7 @@
           <p:cNvPr id="4" name="Marcador de texto 3">
             <a:extLst>
               <a:ext uri="{FF2B5EF4-FFF2-40B4-BE49-F238E27FC236}">
-                <a16:creationId xmlns:a16="http://schemas.microsoft.com/office/drawing/2014/main" xmlns="" id="{55E779F4-73C4-435D-8652-207FBED77C1B}"/>
+                <a16:creationId xmlns="" xmlns:a16="http://schemas.microsoft.com/office/drawing/2014/main" id="{55E779F4-73C4-435D-8652-207FBED77C1B}"/>
               </a:ext>
             </a:extLst>
           </p:cNvPr>
@@ -11047,7 +11022,7 @@
           <p:cNvPr id="3" name="Google Shape;6607;p75">
             <a:extLst>
               <a:ext uri="{FF2B5EF4-FFF2-40B4-BE49-F238E27FC236}">
-                <a16:creationId xmlns:a16="http://schemas.microsoft.com/office/drawing/2014/main" xmlns="" id="{FFEC01EC-8CF7-4128-AA17-AD26B4A03091}"/>
+                <a16:creationId xmlns="" xmlns:a16="http://schemas.microsoft.com/office/drawing/2014/main" id="{FFEC01EC-8CF7-4128-AA17-AD26B4A03091}"/>
               </a:ext>
             </a:extLst>
           </p:cNvPr>
@@ -11074,7 +11049,7 @@
             <p:cNvPr id="4" name="Google Shape;6608;p75">
               <a:extLst>
                 <a:ext uri="{FF2B5EF4-FFF2-40B4-BE49-F238E27FC236}">
-                  <a16:creationId xmlns:a16="http://schemas.microsoft.com/office/drawing/2014/main" xmlns="" id="{575F9F67-9C79-4314-ABE9-9F9FE1A9AF2A}"/>
+                  <a16:creationId xmlns="" xmlns:a16="http://schemas.microsoft.com/office/drawing/2014/main" id="{575F9F67-9C79-4314-ABE9-9F9FE1A9AF2A}"/>
                 </a:ext>
               </a:extLst>
             </p:cNvPr>
@@ -11150,7 +11125,7 @@
             <p:cNvPr id="5" name="Google Shape;6609;p75">
               <a:extLst>
                 <a:ext uri="{FF2B5EF4-FFF2-40B4-BE49-F238E27FC236}">
-                  <a16:creationId xmlns:a16="http://schemas.microsoft.com/office/drawing/2014/main" xmlns="" id="{3E9FB79C-AF05-4129-8B53-CC6295F6EA2E}"/>
+                  <a16:creationId xmlns="" xmlns:a16="http://schemas.microsoft.com/office/drawing/2014/main" id="{3E9FB79C-AF05-4129-8B53-CC6295F6EA2E}"/>
                 </a:ext>
               </a:extLst>
             </p:cNvPr>
@@ -11287,7 +11262,7 @@
             <p:cNvPr id="6" name="Google Shape;6610;p75">
               <a:extLst>
                 <a:ext uri="{FF2B5EF4-FFF2-40B4-BE49-F238E27FC236}">
-                  <a16:creationId xmlns:a16="http://schemas.microsoft.com/office/drawing/2014/main" xmlns="" id="{830156C9-1C2B-4577-9129-1679B2204FB9}"/>
+                  <a16:creationId xmlns="" xmlns:a16="http://schemas.microsoft.com/office/drawing/2014/main" id="{830156C9-1C2B-4577-9129-1679B2204FB9}"/>
                 </a:ext>
               </a:extLst>
             </p:cNvPr>
@@ -11437,7 +11412,7 @@
             <p:cNvPr id="7" name="Google Shape;6611;p75">
               <a:extLst>
                 <a:ext uri="{FF2B5EF4-FFF2-40B4-BE49-F238E27FC236}">
-                  <a16:creationId xmlns:a16="http://schemas.microsoft.com/office/drawing/2014/main" xmlns="" id="{23CEFD9C-C28C-4576-98DC-AE18AA4BB959}"/>
+                  <a16:creationId xmlns="" xmlns:a16="http://schemas.microsoft.com/office/drawing/2014/main" id="{23CEFD9C-C28C-4576-98DC-AE18AA4BB959}"/>
                 </a:ext>
               </a:extLst>
             </p:cNvPr>
@@ -11513,7 +11488,7 @@
             <p:cNvPr id="8" name="Google Shape;6612;p75">
               <a:extLst>
                 <a:ext uri="{FF2B5EF4-FFF2-40B4-BE49-F238E27FC236}">
-                  <a16:creationId xmlns:a16="http://schemas.microsoft.com/office/drawing/2014/main" xmlns="" id="{AC623D55-A2E8-4FCA-BA8C-EA8675C0B969}"/>
+                  <a16:creationId xmlns="" xmlns:a16="http://schemas.microsoft.com/office/drawing/2014/main" id="{AC623D55-A2E8-4FCA-BA8C-EA8675C0B969}"/>
                 </a:ext>
               </a:extLst>
             </p:cNvPr>
@@ -11608,7 +11583,7 @@
             <p:cNvPr id="9" name="Google Shape;6613;p75">
               <a:extLst>
                 <a:ext uri="{FF2B5EF4-FFF2-40B4-BE49-F238E27FC236}">
-                  <a16:creationId xmlns:a16="http://schemas.microsoft.com/office/drawing/2014/main" xmlns="" id="{6F5449CF-AFB6-40A3-96E5-4BDEFB91B034}"/>
+                  <a16:creationId xmlns="" xmlns:a16="http://schemas.microsoft.com/office/drawing/2014/main" id="{6F5449CF-AFB6-40A3-96E5-4BDEFB91B034}"/>
                 </a:ext>
               </a:extLst>
             </p:cNvPr>
@@ -11704,7 +11679,7 @@
           <p:cNvPr id="10" name="Google Shape;6728;p76">
             <a:extLst>
               <a:ext uri="{FF2B5EF4-FFF2-40B4-BE49-F238E27FC236}">
-                <a16:creationId xmlns:a16="http://schemas.microsoft.com/office/drawing/2014/main" xmlns="" id="{50A19DA8-B070-42CC-A38F-988D2786954B}"/>
+                <a16:creationId xmlns="" xmlns:a16="http://schemas.microsoft.com/office/drawing/2014/main" id="{50A19DA8-B070-42CC-A38F-988D2786954B}"/>
               </a:ext>
             </a:extLst>
           </p:cNvPr>
@@ -11731,7 +11706,7 @@
             <p:cNvPr id="11" name="Google Shape;6729;p76">
               <a:extLst>
                 <a:ext uri="{FF2B5EF4-FFF2-40B4-BE49-F238E27FC236}">
-                  <a16:creationId xmlns:a16="http://schemas.microsoft.com/office/drawing/2014/main" xmlns="" id="{BE3BB896-88FB-4E77-AF36-5D7FAFFFEFEC}"/>
+                  <a16:creationId xmlns="" xmlns:a16="http://schemas.microsoft.com/office/drawing/2014/main" id="{BE3BB896-88FB-4E77-AF36-5D7FAFFFEFEC}"/>
                 </a:ext>
               </a:extLst>
             </p:cNvPr>
@@ -11905,7 +11880,7 @@
             <p:cNvPr id="12" name="Google Shape;6730;p76">
               <a:extLst>
                 <a:ext uri="{FF2B5EF4-FFF2-40B4-BE49-F238E27FC236}">
-                  <a16:creationId xmlns:a16="http://schemas.microsoft.com/office/drawing/2014/main" xmlns="" id="{8E437C74-DCBF-4480-854A-79A9ED377D22}"/>
+                  <a16:creationId xmlns="" xmlns:a16="http://schemas.microsoft.com/office/drawing/2014/main" id="{8E437C74-DCBF-4480-854A-79A9ED377D22}"/>
                 </a:ext>
               </a:extLst>
             </p:cNvPr>
@@ -11981,7 +11956,7 @@
             <p:cNvPr id="13" name="Google Shape;6731;p76">
               <a:extLst>
                 <a:ext uri="{FF2B5EF4-FFF2-40B4-BE49-F238E27FC236}">
-                  <a16:creationId xmlns:a16="http://schemas.microsoft.com/office/drawing/2014/main" xmlns="" id="{72FBC069-7078-4E33-94B0-630377E4AA46}"/>
+                  <a16:creationId xmlns="" xmlns:a16="http://schemas.microsoft.com/office/drawing/2014/main" id="{72FBC069-7078-4E33-94B0-630377E4AA46}"/>
                 </a:ext>
               </a:extLst>
             </p:cNvPr>
@@ -12073,7 +12048,7 @@
           <p:cNvPr id="14" name="Google Shape;5496;p73">
             <a:extLst>
               <a:ext uri="{FF2B5EF4-FFF2-40B4-BE49-F238E27FC236}">
-                <a16:creationId xmlns:a16="http://schemas.microsoft.com/office/drawing/2014/main" xmlns="" id="{598672DB-48C8-4C3C-9940-0BB9458E2B94}"/>
+                <a16:creationId xmlns="" xmlns:a16="http://schemas.microsoft.com/office/drawing/2014/main" id="{598672DB-48C8-4C3C-9940-0BB9458E2B94}"/>
               </a:ext>
             </a:extLst>
           </p:cNvPr>
@@ -12100,7 +12075,7 @@
             <p:cNvPr id="15" name="Google Shape;5497;p73">
               <a:extLst>
                 <a:ext uri="{FF2B5EF4-FFF2-40B4-BE49-F238E27FC236}">
-                  <a16:creationId xmlns:a16="http://schemas.microsoft.com/office/drawing/2014/main" xmlns="" id="{6104C40D-B030-4886-824C-4FA4B5AF2FF3}"/>
+                  <a16:creationId xmlns="" xmlns:a16="http://schemas.microsoft.com/office/drawing/2014/main" id="{6104C40D-B030-4886-824C-4FA4B5AF2FF3}"/>
                 </a:ext>
               </a:extLst>
             </p:cNvPr>
@@ -12191,7 +12166,7 @@
             <p:cNvPr id="16" name="Google Shape;5498;p73">
               <a:extLst>
                 <a:ext uri="{FF2B5EF4-FFF2-40B4-BE49-F238E27FC236}">
-                  <a16:creationId xmlns:a16="http://schemas.microsoft.com/office/drawing/2014/main" xmlns="" id="{CB9EA23C-983C-4203-82DE-28F079B4D6C8}"/>
+                  <a16:creationId xmlns="" xmlns:a16="http://schemas.microsoft.com/office/drawing/2014/main" id="{CB9EA23C-983C-4203-82DE-28F079B4D6C8}"/>
                 </a:ext>
               </a:extLst>
             </p:cNvPr>
@@ -12277,7 +12252,7 @@
             <p:cNvPr id="17" name="Google Shape;5499;p73">
               <a:extLst>
                 <a:ext uri="{FF2B5EF4-FFF2-40B4-BE49-F238E27FC236}">
-                  <a16:creationId xmlns:a16="http://schemas.microsoft.com/office/drawing/2014/main" xmlns="" id="{7A3CCC44-276F-4FC6-8BB9-E3D06C098D84}"/>
+                  <a16:creationId xmlns="" xmlns:a16="http://schemas.microsoft.com/office/drawing/2014/main" id="{7A3CCC44-276F-4FC6-8BB9-E3D06C098D84}"/>
                 </a:ext>
               </a:extLst>
             </p:cNvPr>
@@ -12351,7 +12326,7 @@
             <p:cNvPr id="18" name="Google Shape;5500;p73">
               <a:extLst>
                 <a:ext uri="{FF2B5EF4-FFF2-40B4-BE49-F238E27FC236}">
-                  <a16:creationId xmlns:a16="http://schemas.microsoft.com/office/drawing/2014/main" xmlns="" id="{808B92FB-C1F7-4364-9149-B2FE39D3BD11}"/>
+                  <a16:creationId xmlns="" xmlns:a16="http://schemas.microsoft.com/office/drawing/2014/main" id="{808B92FB-C1F7-4364-9149-B2FE39D3BD11}"/>
                 </a:ext>
               </a:extLst>
             </p:cNvPr>
@@ -12432,7 +12407,7 @@
             <p:cNvPr id="19" name="Google Shape;5501;p73">
               <a:extLst>
                 <a:ext uri="{FF2B5EF4-FFF2-40B4-BE49-F238E27FC236}">
-                  <a16:creationId xmlns:a16="http://schemas.microsoft.com/office/drawing/2014/main" xmlns="" id="{350A17B0-D301-4DF0-87DF-61B5B48ED5B1}"/>
+                  <a16:creationId xmlns="" xmlns:a16="http://schemas.microsoft.com/office/drawing/2014/main" id="{350A17B0-D301-4DF0-87DF-61B5B48ED5B1}"/>
                 </a:ext>
               </a:extLst>
             </p:cNvPr>
@@ -12515,7 +12490,7 @@
           <p:cNvPr id="24" name="Google Shape;172;p33">
             <a:extLst>
               <a:ext uri="{FF2B5EF4-FFF2-40B4-BE49-F238E27FC236}">
-                <a16:creationId xmlns:a16="http://schemas.microsoft.com/office/drawing/2014/main" xmlns="" id="{0D11A571-75FA-4520-9489-3316BCD7B175}"/>
+                <a16:creationId xmlns="" xmlns:a16="http://schemas.microsoft.com/office/drawing/2014/main" id="{0D11A571-75FA-4520-9489-3316BCD7B175}"/>
               </a:ext>
             </a:extLst>
           </p:cNvPr>
@@ -12561,7 +12536,7 @@
           <p:cNvPr id="27" name="Título 26">
             <a:extLst>
               <a:ext uri="{FF2B5EF4-FFF2-40B4-BE49-F238E27FC236}">
-                <a16:creationId xmlns:a16="http://schemas.microsoft.com/office/drawing/2014/main" xmlns="" id="{68C47D13-8B05-4870-B5E8-3FFFD51D9D17}"/>
+                <a16:creationId xmlns="" xmlns:a16="http://schemas.microsoft.com/office/drawing/2014/main" id="{68C47D13-8B05-4870-B5E8-3FFFD51D9D17}"/>
               </a:ext>
             </a:extLst>
           </p:cNvPr>
@@ -12595,7 +12570,7 @@
           <p:cNvPr id="25" name="Google Shape;138;p24">
             <a:extLst>
               <a:ext uri="{FF2B5EF4-FFF2-40B4-BE49-F238E27FC236}">
-                <a16:creationId xmlns:a16="http://schemas.microsoft.com/office/drawing/2014/main" xmlns="" id="{32F82714-966C-4D12-8AC4-17151FD8449A}"/>
+                <a16:creationId xmlns="" xmlns:a16="http://schemas.microsoft.com/office/drawing/2014/main" id="{32F82714-966C-4D12-8AC4-17151FD8449A}"/>
               </a:ext>
             </a:extLst>
           </p:cNvPr>
@@ -12671,7 +12646,7 @@
                 <a:hlinkClick r:id="rId2">
                   <a:extLst>
                     <a:ext uri="{A12FA001-AC4F-418D-AE19-62706E023703}">
-                      <ahyp:hlinkClr xmlns:ahyp="http://schemas.microsoft.com/office/drawing/2018/hyperlinkcolor" xmlns="" val="tx"/>
+                      <ahyp:hlinkClr xmlns="" xmlns:ahyp="http://schemas.microsoft.com/office/drawing/2018/hyperlinkcolor" val="tx"/>
                     </a:ext>
                   </a:extLst>
                 </a:hlinkClick>
@@ -12754,7 +12729,7 @@
                 <a:hlinkClick r:id="rId3">
                   <a:extLst>
                     <a:ext uri="{A12FA001-AC4F-418D-AE19-62706E023703}">
-                      <ahyp:hlinkClr xmlns:ahyp="http://schemas.microsoft.com/office/drawing/2018/hyperlinkcolor" xmlns="" val="tx"/>
+                      <ahyp:hlinkClr xmlns="" xmlns:ahyp="http://schemas.microsoft.com/office/drawing/2018/hyperlinkcolor" val="tx"/>
                     </a:ext>
                   </a:extLst>
                 </a:hlinkClick>
@@ -12792,7 +12767,7 @@
                 <a:hlinkClick r:id="rId4">
                   <a:extLst>
                     <a:ext uri="{A12FA001-AC4F-418D-AE19-62706E023703}">
-                      <ahyp:hlinkClr xmlns:ahyp="http://schemas.microsoft.com/office/drawing/2018/hyperlinkcolor" xmlns="" val="tx"/>
+                      <ahyp:hlinkClr xmlns="" xmlns:ahyp="http://schemas.microsoft.com/office/drawing/2018/hyperlinkcolor" val="tx"/>
                     </a:ext>
                   </a:extLst>
                 </a:hlinkClick>
@@ -12832,7 +12807,7 @@
           <p:cNvPr id="33" name="Google Shape;6929;p76">
             <a:extLst>
               <a:ext uri="{FF2B5EF4-FFF2-40B4-BE49-F238E27FC236}">
-                <a16:creationId xmlns:a16="http://schemas.microsoft.com/office/drawing/2014/main" xmlns="" id="{F24FD540-D937-4D35-9806-BBE28FF7C4FA}"/>
+                <a16:creationId xmlns="" xmlns:a16="http://schemas.microsoft.com/office/drawing/2014/main" id="{F24FD540-D937-4D35-9806-BBE28FF7C4FA}"/>
               </a:ext>
             </a:extLst>
           </p:cNvPr>
@@ -12857,7 +12832,7 @@
             <p:cNvPr id="34" name="Google Shape;6930;p76">
               <a:extLst>
                 <a:ext uri="{FF2B5EF4-FFF2-40B4-BE49-F238E27FC236}">
-                  <a16:creationId xmlns:a16="http://schemas.microsoft.com/office/drawing/2014/main" xmlns="" id="{BBB23BA1-78B0-4D71-8FC4-C00EF11FBF1E}"/>
+                  <a16:creationId xmlns="" xmlns:a16="http://schemas.microsoft.com/office/drawing/2014/main" id="{BBB23BA1-78B0-4D71-8FC4-C00EF11FBF1E}"/>
                 </a:ext>
               </a:extLst>
             </p:cNvPr>
@@ -13022,7 +12997,7 @@
             <p:cNvPr id="35" name="Google Shape;6931;p76">
               <a:extLst>
                 <a:ext uri="{FF2B5EF4-FFF2-40B4-BE49-F238E27FC236}">
-                  <a16:creationId xmlns:a16="http://schemas.microsoft.com/office/drawing/2014/main" xmlns="" id="{E6977EEA-DA18-43A3-883F-0BB2D2A931EF}"/>
+                  <a16:creationId xmlns="" xmlns:a16="http://schemas.microsoft.com/office/drawing/2014/main" id="{E6977EEA-DA18-43A3-883F-0BB2D2A931EF}"/>
                 </a:ext>
               </a:extLst>
             </p:cNvPr>
@@ -13223,7 +13198,7 @@
           <p:cNvPr id="26" name="Elipse 25">
             <a:extLst>
               <a:ext uri="{FF2B5EF4-FFF2-40B4-BE49-F238E27FC236}">
-                <a16:creationId xmlns:a16="http://schemas.microsoft.com/office/drawing/2014/main" xmlns="" id="{3FB0CDF4-F151-4C0F-A4A0-B06326ECE7D1}"/>
+                <a16:creationId xmlns="" xmlns:a16="http://schemas.microsoft.com/office/drawing/2014/main" id="{3FB0CDF4-F151-4C0F-A4A0-B06326ECE7D1}"/>
               </a:ext>
             </a:extLst>
           </p:cNvPr>
